--- a/Lecture notes/1_Introduction.pptx
+++ b/Lecture notes/1_Introduction.pptx
@@ -5,7 +5,7 @@
     <p:sldMasterId id="2147483648" r:id="rId1"/>
   </p:sldMasterIdLst>
   <p:notesMasterIdLst>
-    <p:notesMasterId r:id="rId17"/>
+    <p:notesMasterId r:id="rId12"/>
   </p:notesMasterIdLst>
   <p:sldIdLst>
     <p:sldId id="270" r:id="rId2"/>
@@ -18,11 +18,6 @@
     <p:sldId id="283" r:id="rId9"/>
     <p:sldId id="284" r:id="rId10"/>
     <p:sldId id="285" r:id="rId11"/>
-    <p:sldId id="286" r:id="rId12"/>
-    <p:sldId id="290" r:id="rId13"/>
-    <p:sldId id="289" r:id="rId14"/>
-    <p:sldId id="291" r:id="rId15"/>
-    <p:sldId id="292" r:id="rId16"/>
   </p:sldIdLst>
   <p:sldSz cx="12192000" cy="6858000"/>
   <p:notesSz cx="6858000" cy="9144000"/>
@@ -214,7 +209,7 @@
           <a:p>
             <a:fld id="{D50CCBFF-3046-E842-B40A-2D97233E5793}" type="datetimeFigureOut">
               <a:rPr lang="en-US" smtClean="0"/>
-              <a:t>9/19/23</a:t>
+              <a:t>9/20/23</a:t>
             </a:fld>
             <a:endParaRPr lang="en-US"/>
           </a:p>
@@ -554,7 +549,7 @@
           <a:p>
             <a:r>
               <a:rPr lang="en-US" dirty="0"/>
-              <a:t>Of course I’ve been in the position where things have just been moving too quickly. As academics, PhD students and early post-docs, I know that you’re probably under a lot pressure to produce results, and you end up with this feeling of trying to outrun yourself. You have on the surface, some results, which are certainly thorough and you’ve hard to get them, but underneath the surface is just a litany of untitled </a:t>
+              <a:t>Of course I’ve been in the position where things have just been moving too quickly. As academics, PhD students and early post-docs, I know that you’re probably under a lot pressure to produce results, and you end up with this feeling of trying to outrun yourself. You have on the surface, some results, which are certainly thorough and you’ve worked hard to get them, but underneath the surface is just a litany of untitled </a:t>
             </a:r>
             <a:r>
               <a:rPr lang="en-US" dirty="0" err="1"/>
@@ -570,15 +565,15 @@
             </a:r>
             <a:r>
               <a:rPr lang="en-US" dirty="0"/>
-              <a:t> files, just chaos. And I always found that hard to get on top of. How can you stop and make everything neat and tidy and presentable, when you have a grant application due in two days, or a deadline to ICML next week, or </a:t>
-            </a:r>
-            <a:r>
-              <a:rPr lang="en-US" dirty="0" err="1"/>
-              <a:t>thegeneral</a:t>
+              <a:t> files, just chaos. And I always found that hard to get on top of. How can you stop and make everything neat and tidy and presentable, when you have a grant application due in two days, or a deadline to ICML next week, </a:t>
+            </a:r>
+            <a:r>
+              <a:rPr lang="en-US"/>
+              <a:t>or the general  </a:t>
             </a:r>
             <a:r>
               <a:rPr lang="en-US" dirty="0"/>
-              <a:t>  disappointment of your PI hanging over you.</a:t>
+              <a:t>disappointment of your PI hanging over you.</a:t>
             </a:r>
           </a:p>
           <a:p>
@@ -613,453 +608,6 @@
     <p:extLst>
       <p:ext uri="{BB962C8B-B14F-4D97-AF65-F5344CB8AC3E}">
         <p14:creationId xmlns:p14="http://schemas.microsoft.com/office/powerpoint/2010/main" val="1982531527"/>
-      </p:ext>
-    </p:extLst>
-  </p:cSld>
-  <p:clrMapOvr>
-    <a:masterClrMapping/>
-  </p:clrMapOvr>
-</p:notes>
-</file>
-
-<file path=ppt/notesSlides/notesSlide10.xml><?xml version="1.0" encoding="utf-8"?>
-<p:notes xmlns:a="http://schemas.openxmlformats.org/drawingml/2006/main" xmlns:r="http://schemas.openxmlformats.org/officeDocument/2006/relationships" xmlns:p="http://schemas.openxmlformats.org/presentationml/2006/main">
-  <p:cSld>
-    <p:spTree>
-      <p:nvGrpSpPr>
-        <p:cNvPr id="1" name=""/>
-        <p:cNvGrpSpPr/>
-        <p:nvPr/>
-      </p:nvGrpSpPr>
-      <p:grpSpPr>
-        <a:xfrm>
-          <a:off x="0" y="0"/>
-          <a:ext cx="0" cy="0"/>
-          <a:chOff x="0" y="0"/>
-          <a:chExt cx="0" cy="0"/>
-        </a:xfrm>
-      </p:grpSpPr>
-      <p:sp>
-        <p:nvSpPr>
-          <p:cNvPr id="2" name="Slide Image Placeholder 1"/>
-          <p:cNvSpPr>
-            <a:spLocks noGrp="1" noRot="1" noChangeAspect="1"/>
-          </p:cNvSpPr>
-          <p:nvPr>
-            <p:ph type="sldImg"/>
-          </p:nvPr>
-        </p:nvSpPr>
-        <p:spPr/>
-      </p:sp>
-      <p:sp>
-        <p:nvSpPr>
-          <p:cNvPr id="3" name="Notes Placeholder 2"/>
-          <p:cNvSpPr>
-            <a:spLocks noGrp="1"/>
-          </p:cNvSpPr>
-          <p:nvPr>
-            <p:ph type="body" idx="1"/>
-          </p:nvPr>
-        </p:nvSpPr>
-        <p:spPr/>
-        <p:txBody>
-          <a:bodyPr/>
-          <a:lstStyle/>
-          <a:p>
-            <a:r>
-              <a:rPr lang="en-US" dirty="0"/>
-              <a:t>The pipeline is dependent on the model. And this makes sense, you might alter your pipeline depending on what model you use.</a:t>
-            </a:r>
-          </a:p>
-        </p:txBody>
-      </p:sp>
-      <p:sp>
-        <p:nvSpPr>
-          <p:cNvPr id="4" name="Slide Number Placeholder 3"/>
-          <p:cNvSpPr>
-            <a:spLocks noGrp="1"/>
-          </p:cNvSpPr>
-          <p:nvPr>
-            <p:ph type="sldNum" sz="quarter" idx="5"/>
-          </p:nvPr>
-        </p:nvSpPr>
-        <p:spPr/>
-        <p:txBody>
-          <a:bodyPr/>
-          <a:lstStyle/>
-          <a:p>
-            <a:fld id="{201484FD-10DA-4547-A01E-D86EDBCF772B}" type="slidenum">
-              <a:rPr lang="en-US" smtClean="0"/>
-              <a:t>11</a:t>
-            </a:fld>
-            <a:endParaRPr lang="en-US"/>
-          </a:p>
-        </p:txBody>
-      </p:sp>
-    </p:spTree>
-    <p:extLst>
-      <p:ext uri="{BB962C8B-B14F-4D97-AF65-F5344CB8AC3E}">
-        <p14:creationId xmlns:p14="http://schemas.microsoft.com/office/powerpoint/2010/main" val="395085856"/>
-      </p:ext>
-    </p:extLst>
-  </p:cSld>
-  <p:clrMapOvr>
-    <a:masterClrMapping/>
-  </p:clrMapOvr>
-</p:notes>
-</file>
-
-<file path=ppt/notesSlides/notesSlide11.xml><?xml version="1.0" encoding="utf-8"?>
-<p:notes xmlns:a="http://schemas.openxmlformats.org/drawingml/2006/main" xmlns:r="http://schemas.openxmlformats.org/officeDocument/2006/relationships" xmlns:p="http://schemas.openxmlformats.org/presentationml/2006/main">
-  <p:cSld>
-    <p:spTree>
-      <p:nvGrpSpPr>
-        <p:cNvPr id="1" name=""/>
-        <p:cNvGrpSpPr/>
-        <p:nvPr/>
-      </p:nvGrpSpPr>
-      <p:grpSpPr>
-        <a:xfrm>
-          <a:off x="0" y="0"/>
-          <a:ext cx="0" cy="0"/>
-          <a:chOff x="0" y="0"/>
-          <a:chExt cx="0" cy="0"/>
-        </a:xfrm>
-      </p:grpSpPr>
-      <p:sp>
-        <p:nvSpPr>
-          <p:cNvPr id="2" name="Slide Image Placeholder 1"/>
-          <p:cNvSpPr>
-            <a:spLocks noGrp="1" noRot="1" noChangeAspect="1"/>
-          </p:cNvSpPr>
-          <p:nvPr>
-            <p:ph type="sldImg"/>
-          </p:nvPr>
-        </p:nvSpPr>
-        <p:spPr/>
-      </p:sp>
-      <p:sp>
-        <p:nvSpPr>
-          <p:cNvPr id="3" name="Notes Placeholder 2"/>
-          <p:cNvSpPr>
-            <a:spLocks noGrp="1"/>
-          </p:cNvSpPr>
-          <p:nvPr>
-            <p:ph type="body" idx="1"/>
-          </p:nvPr>
-        </p:nvSpPr>
-        <p:spPr/>
-        <p:txBody>
-          <a:bodyPr/>
-          <a:lstStyle/>
-          <a:p>
-            <a:r>
-              <a:rPr lang="en-US" dirty="0"/>
-              <a:t>Question: if there is this </a:t>
-            </a:r>
-          </a:p>
-        </p:txBody>
-      </p:sp>
-      <p:sp>
-        <p:nvSpPr>
-          <p:cNvPr id="4" name="Slide Number Placeholder 3"/>
-          <p:cNvSpPr>
-            <a:spLocks noGrp="1"/>
-          </p:cNvSpPr>
-          <p:nvPr>
-            <p:ph type="sldNum" sz="quarter" idx="5"/>
-          </p:nvPr>
-        </p:nvSpPr>
-        <p:spPr/>
-        <p:txBody>
-          <a:bodyPr/>
-          <a:lstStyle/>
-          <a:p>
-            <a:fld id="{201484FD-10DA-4547-A01E-D86EDBCF772B}" type="slidenum">
-              <a:rPr lang="en-US" smtClean="0"/>
-              <a:t>12</a:t>
-            </a:fld>
-            <a:endParaRPr lang="en-US"/>
-          </a:p>
-        </p:txBody>
-      </p:sp>
-    </p:spTree>
-    <p:extLst>
-      <p:ext uri="{BB962C8B-B14F-4D97-AF65-F5344CB8AC3E}">
-        <p14:creationId xmlns:p14="http://schemas.microsoft.com/office/powerpoint/2010/main" val="1836180617"/>
-      </p:ext>
-    </p:extLst>
-  </p:cSld>
-  <p:clrMapOvr>
-    <a:masterClrMapping/>
-  </p:clrMapOvr>
-</p:notes>
-</file>
-
-<file path=ppt/notesSlides/notesSlide12.xml><?xml version="1.0" encoding="utf-8"?>
-<p:notes xmlns:a="http://schemas.openxmlformats.org/drawingml/2006/main" xmlns:r="http://schemas.openxmlformats.org/officeDocument/2006/relationships" xmlns:p="http://schemas.openxmlformats.org/presentationml/2006/main">
-  <p:cSld>
-    <p:spTree>
-      <p:nvGrpSpPr>
-        <p:cNvPr id="1" name=""/>
-        <p:cNvGrpSpPr/>
-        <p:nvPr/>
-      </p:nvGrpSpPr>
-      <p:grpSpPr>
-        <a:xfrm>
-          <a:off x="0" y="0"/>
-          <a:ext cx="0" cy="0"/>
-          <a:chOff x="0" y="0"/>
-          <a:chExt cx="0" cy="0"/>
-        </a:xfrm>
-      </p:grpSpPr>
-      <p:sp>
-        <p:nvSpPr>
-          <p:cNvPr id="2" name="Slide Image Placeholder 1"/>
-          <p:cNvSpPr>
-            <a:spLocks noGrp="1" noRot="1" noChangeAspect="1"/>
-          </p:cNvSpPr>
-          <p:nvPr>
-            <p:ph type="sldImg"/>
-          </p:nvPr>
-        </p:nvSpPr>
-        <p:spPr/>
-      </p:sp>
-      <p:sp>
-        <p:nvSpPr>
-          <p:cNvPr id="3" name="Notes Placeholder 2"/>
-          <p:cNvSpPr>
-            <a:spLocks noGrp="1"/>
-          </p:cNvSpPr>
-          <p:nvPr>
-            <p:ph type="body" idx="1"/>
-          </p:nvPr>
-        </p:nvSpPr>
-        <p:spPr/>
-        <p:txBody>
-          <a:bodyPr/>
-          <a:lstStyle/>
-          <a:p>
-            <a:r>
-              <a:rPr lang="en-US" dirty="0"/>
-              <a:t>This is a method of scaling</a:t>
-            </a:r>
-          </a:p>
-        </p:txBody>
-      </p:sp>
-      <p:sp>
-        <p:nvSpPr>
-          <p:cNvPr id="4" name="Slide Number Placeholder 3"/>
-          <p:cNvSpPr>
-            <a:spLocks noGrp="1"/>
-          </p:cNvSpPr>
-          <p:nvPr>
-            <p:ph type="sldNum" sz="quarter" idx="5"/>
-          </p:nvPr>
-        </p:nvSpPr>
-        <p:spPr/>
-        <p:txBody>
-          <a:bodyPr/>
-          <a:lstStyle/>
-          <a:p>
-            <a:fld id="{201484FD-10DA-4547-A01E-D86EDBCF772B}" type="slidenum">
-              <a:rPr lang="en-US" smtClean="0"/>
-              <a:t>13</a:t>
-            </a:fld>
-            <a:endParaRPr lang="en-US"/>
-          </a:p>
-        </p:txBody>
-      </p:sp>
-    </p:spTree>
-    <p:extLst>
-      <p:ext uri="{BB962C8B-B14F-4D97-AF65-F5344CB8AC3E}">
-        <p14:creationId xmlns:p14="http://schemas.microsoft.com/office/powerpoint/2010/main" val="269789418"/>
-      </p:ext>
-    </p:extLst>
-  </p:cSld>
-  <p:clrMapOvr>
-    <a:masterClrMapping/>
-  </p:clrMapOvr>
-</p:notes>
-</file>
-
-<file path=ppt/notesSlides/notesSlide13.xml><?xml version="1.0" encoding="utf-8"?>
-<p:notes xmlns:a="http://schemas.openxmlformats.org/drawingml/2006/main" xmlns:r="http://schemas.openxmlformats.org/officeDocument/2006/relationships" xmlns:p="http://schemas.openxmlformats.org/presentationml/2006/main">
-  <p:cSld>
-    <p:spTree>
-      <p:nvGrpSpPr>
-        <p:cNvPr id="1" name=""/>
-        <p:cNvGrpSpPr/>
-        <p:nvPr/>
-      </p:nvGrpSpPr>
-      <p:grpSpPr>
-        <a:xfrm>
-          <a:off x="0" y="0"/>
-          <a:ext cx="0" cy="0"/>
-          <a:chOff x="0" y="0"/>
-          <a:chExt cx="0" cy="0"/>
-        </a:xfrm>
-      </p:grpSpPr>
-      <p:sp>
-        <p:nvSpPr>
-          <p:cNvPr id="2" name="Slide Image Placeholder 1"/>
-          <p:cNvSpPr>
-            <a:spLocks noGrp="1" noRot="1" noChangeAspect="1"/>
-          </p:cNvSpPr>
-          <p:nvPr>
-            <p:ph type="sldImg"/>
-          </p:nvPr>
-        </p:nvSpPr>
-        <p:spPr/>
-      </p:sp>
-      <p:sp>
-        <p:nvSpPr>
-          <p:cNvPr id="3" name="Notes Placeholder 2"/>
-          <p:cNvSpPr>
-            <a:spLocks noGrp="1"/>
-          </p:cNvSpPr>
-          <p:nvPr>
-            <p:ph type="body" idx="1"/>
-          </p:nvPr>
-        </p:nvSpPr>
-        <p:spPr/>
-        <p:txBody>
-          <a:bodyPr/>
-          <a:lstStyle/>
-          <a:p>
-            <a:r>
-              <a:rPr lang="en-US" dirty="0"/>
-              <a:t>Question: if there is this </a:t>
-            </a:r>
-          </a:p>
-        </p:txBody>
-      </p:sp>
-      <p:sp>
-        <p:nvSpPr>
-          <p:cNvPr id="4" name="Slide Number Placeholder 3"/>
-          <p:cNvSpPr>
-            <a:spLocks noGrp="1"/>
-          </p:cNvSpPr>
-          <p:nvPr>
-            <p:ph type="sldNum" sz="quarter" idx="5"/>
-          </p:nvPr>
-        </p:nvSpPr>
-        <p:spPr/>
-        <p:txBody>
-          <a:bodyPr/>
-          <a:lstStyle/>
-          <a:p>
-            <a:fld id="{201484FD-10DA-4547-A01E-D86EDBCF772B}" type="slidenum">
-              <a:rPr lang="en-US" smtClean="0"/>
-              <a:t>14</a:t>
-            </a:fld>
-            <a:endParaRPr lang="en-US"/>
-          </a:p>
-        </p:txBody>
-      </p:sp>
-    </p:spTree>
-    <p:extLst>
-      <p:ext uri="{BB962C8B-B14F-4D97-AF65-F5344CB8AC3E}">
-        <p14:creationId xmlns:p14="http://schemas.microsoft.com/office/powerpoint/2010/main" val="3019937202"/>
-      </p:ext>
-    </p:extLst>
-  </p:cSld>
-  <p:clrMapOvr>
-    <a:masterClrMapping/>
-  </p:clrMapOvr>
-</p:notes>
-</file>
-
-<file path=ppt/notesSlides/notesSlide14.xml><?xml version="1.0" encoding="utf-8"?>
-<p:notes xmlns:a="http://schemas.openxmlformats.org/drawingml/2006/main" xmlns:r="http://schemas.openxmlformats.org/officeDocument/2006/relationships" xmlns:p="http://schemas.openxmlformats.org/presentationml/2006/main">
-  <p:cSld>
-    <p:spTree>
-      <p:nvGrpSpPr>
-        <p:cNvPr id="1" name=""/>
-        <p:cNvGrpSpPr/>
-        <p:nvPr/>
-      </p:nvGrpSpPr>
-      <p:grpSpPr>
-        <a:xfrm>
-          <a:off x="0" y="0"/>
-          <a:ext cx="0" cy="0"/>
-          <a:chOff x="0" y="0"/>
-          <a:chExt cx="0" cy="0"/>
-        </a:xfrm>
-      </p:grpSpPr>
-      <p:sp>
-        <p:nvSpPr>
-          <p:cNvPr id="2" name="Slide Image Placeholder 1"/>
-          <p:cNvSpPr>
-            <a:spLocks noGrp="1" noRot="1" noChangeAspect="1"/>
-          </p:cNvSpPr>
-          <p:nvPr>
-            <p:ph type="sldImg"/>
-          </p:nvPr>
-        </p:nvSpPr>
-        <p:spPr/>
-      </p:sp>
-      <p:sp>
-        <p:nvSpPr>
-          <p:cNvPr id="3" name="Notes Placeholder 2"/>
-          <p:cNvSpPr>
-            <a:spLocks noGrp="1"/>
-          </p:cNvSpPr>
-          <p:nvPr>
-            <p:ph type="body" idx="1"/>
-          </p:nvPr>
-        </p:nvSpPr>
-        <p:spPr/>
-        <p:txBody>
-          <a:bodyPr/>
-          <a:lstStyle/>
-          <a:p>
-            <a:r>
-              <a:rPr lang="en-US" dirty="0" err="1"/>
-              <a:t>PyTorch</a:t>
-            </a:r>
-            <a:r>
-              <a:rPr lang="en-US" dirty="0"/>
-              <a:t> is not a general purpose machine learning library like </a:t>
-            </a:r>
-            <a:r>
-              <a:rPr lang="en-US" dirty="0" err="1"/>
-              <a:t>sklearn</a:t>
-            </a:r>
-            <a:r>
-              <a:rPr lang="en-US" dirty="0"/>
-              <a:t>. It is geared primarily towards Neural Networks.</a:t>
-            </a:r>
-          </a:p>
-        </p:txBody>
-      </p:sp>
-      <p:sp>
-        <p:nvSpPr>
-          <p:cNvPr id="4" name="Slide Number Placeholder 3"/>
-          <p:cNvSpPr>
-            <a:spLocks noGrp="1"/>
-          </p:cNvSpPr>
-          <p:nvPr>
-            <p:ph type="sldNum" sz="quarter" idx="5"/>
-          </p:nvPr>
-        </p:nvSpPr>
-        <p:spPr/>
-        <p:txBody>
-          <a:bodyPr/>
-          <a:lstStyle/>
-          <a:p>
-            <a:fld id="{201484FD-10DA-4547-A01E-D86EDBCF772B}" type="slidenum">
-              <a:rPr lang="en-US" smtClean="0"/>
-              <a:t>15</a:t>
-            </a:fld>
-            <a:endParaRPr lang="en-US"/>
-          </a:p>
-        </p:txBody>
-      </p:sp>
-    </p:spTree>
-    <p:extLst>
-      <p:ext uri="{BB962C8B-B14F-4D97-AF65-F5344CB8AC3E}">
-        <p14:creationId xmlns:p14="http://schemas.microsoft.com/office/powerpoint/2010/main" val="3304215462"/>
       </p:ext>
     </p:extLst>
   </p:cSld>
@@ -1471,7 +1019,7 @@
           <a:p>
             <a:r>
               <a:rPr lang="en-US" dirty="0"/>
-              <a:t>I should stress again that this is a python focused course. I don’t want any R peasants. Actually R was invented by two New Zealand researchers at the University of Auckland. So…you’re welcome.</a:t>
+              <a:t>I should stress again that this is a python focused course.</a:t>
             </a:r>
           </a:p>
         </p:txBody>
@@ -1643,10 +1191,7 @@
           <a:bodyPr/>
           <a:lstStyle/>
           <a:p>
-            <a:r>
-              <a:rPr lang="en-US" dirty="0"/>
-              <a:t>The pipeline is dependent on the model. And this makes sense, you might alter your pipeline depending on what model you use.</a:t>
-            </a:r>
+            <a:endParaRPr lang="en-US" dirty="0"/>
           </a:p>
         </p:txBody>
       </p:sp>
@@ -1730,27 +1275,7 @@
           <a:bodyPr/>
           <a:lstStyle/>
           <a:p>
-            <a:r>
-              <a:rPr lang="en-US" dirty="0"/>
-              <a:t>So that’s basically the goal of this course: to take you from the exploratory phase, the reliance on </a:t>
-            </a:r>
-            <a:r>
-              <a:rPr lang="en-US" dirty="0" err="1"/>
-              <a:t>Jupyter</a:t>
-            </a:r>
-            <a:r>
-              <a:rPr lang="en-US" dirty="0"/>
-              <a:t> notebooks, and into the automation phase – where we have efficient pipelines that can handle all of our data.</a:t>
-            </a:r>
-          </a:p>
-          <a:p>
             <a:endParaRPr lang="en-US" dirty="0"/>
-          </a:p>
-          <a:p>
-            <a:r>
-              <a:rPr lang="en-US" dirty="0"/>
-              <a:t>We aim for transparency and reproducibility as a key goal. When you make everything public, there’s nowhere to hide. We want to publish any and all code that was used to produce results.</a:t>
-            </a:r>
           </a:p>
         </p:txBody>
       </p:sp>
@@ -1834,27 +1359,7 @@
           <a:bodyPr/>
           <a:lstStyle/>
           <a:p>
-            <a:r>
-              <a:rPr lang="en-US" dirty="0"/>
-              <a:t>So that’s basically the goal of this course: to take you from the exploratory phase, the reliance on </a:t>
-            </a:r>
-            <a:r>
-              <a:rPr lang="en-US" dirty="0" err="1"/>
-              <a:t>Jupyter</a:t>
-            </a:r>
-            <a:r>
-              <a:rPr lang="en-US" dirty="0"/>
-              <a:t> notebooks, and into the automation phase – where we have efficient pipelines that can handle all of our data.</a:t>
-            </a:r>
-          </a:p>
-          <a:p>
             <a:endParaRPr lang="en-US" dirty="0"/>
-          </a:p>
-          <a:p>
-            <a:r>
-              <a:rPr lang="en-US" dirty="0"/>
-              <a:t>We aim for transparency and reproducibility as a key goal. When you make everything public, there’s nowhere to hide. We want to publish any and all code that was used to produce results.</a:t>
-            </a:r>
           </a:p>
         </p:txBody>
       </p:sp>
@@ -2043,7 +1548,7 @@
           <a:p>
             <a:fld id="{CB8EFB7F-0100-9142-8334-02F76C33929D}" type="datetimeFigureOut">
               <a:rPr lang="en-US" smtClean="0"/>
-              <a:t>9/19/23</a:t>
+              <a:t>9/20/23</a:t>
             </a:fld>
             <a:endParaRPr lang="en-US"/>
           </a:p>
@@ -2243,7 +1748,7 @@
           <a:p>
             <a:fld id="{CB8EFB7F-0100-9142-8334-02F76C33929D}" type="datetimeFigureOut">
               <a:rPr lang="en-US" smtClean="0"/>
-              <a:t>9/19/23</a:t>
+              <a:t>9/20/23</a:t>
             </a:fld>
             <a:endParaRPr lang="en-US"/>
           </a:p>
@@ -2453,7 +1958,7 @@
           <a:p>
             <a:fld id="{CB8EFB7F-0100-9142-8334-02F76C33929D}" type="datetimeFigureOut">
               <a:rPr lang="en-US" smtClean="0"/>
-              <a:t>9/19/23</a:t>
+              <a:t>9/20/23</a:t>
             </a:fld>
             <a:endParaRPr lang="en-US"/>
           </a:p>
@@ -3420,7 +2925,7 @@
           <a:p>
             <a:fld id="{CB8EFB7F-0100-9142-8334-02F76C33929D}" type="datetimeFigureOut">
               <a:rPr lang="en-US" smtClean="0"/>
-              <a:t>9/19/23</a:t>
+              <a:t>9/20/23</a:t>
             </a:fld>
             <a:endParaRPr lang="en-US"/>
           </a:p>
@@ -3696,7 +3201,7 @@
           <a:p>
             <a:fld id="{CB8EFB7F-0100-9142-8334-02F76C33929D}" type="datetimeFigureOut">
               <a:rPr lang="en-US" smtClean="0"/>
-              <a:t>9/19/23</a:t>
+              <a:t>9/20/23</a:t>
             </a:fld>
             <a:endParaRPr lang="en-US"/>
           </a:p>
@@ -3964,7 +3469,7 @@
           <a:p>
             <a:fld id="{CB8EFB7F-0100-9142-8334-02F76C33929D}" type="datetimeFigureOut">
               <a:rPr lang="en-US" smtClean="0"/>
-              <a:t>9/19/23</a:t>
+              <a:t>9/20/23</a:t>
             </a:fld>
             <a:endParaRPr lang="en-US"/>
           </a:p>
@@ -4379,7 +3884,7 @@
           <a:p>
             <a:fld id="{CB8EFB7F-0100-9142-8334-02F76C33929D}" type="datetimeFigureOut">
               <a:rPr lang="en-US" smtClean="0"/>
-              <a:t>9/19/23</a:t>
+              <a:t>9/20/23</a:t>
             </a:fld>
             <a:endParaRPr lang="en-US"/>
           </a:p>
@@ -4521,7 +4026,7 @@
           <a:p>
             <a:fld id="{CB8EFB7F-0100-9142-8334-02F76C33929D}" type="datetimeFigureOut">
               <a:rPr lang="en-US" smtClean="0"/>
-              <a:t>9/19/23</a:t>
+              <a:t>9/20/23</a:t>
             </a:fld>
             <a:endParaRPr lang="en-US"/>
           </a:p>
@@ -4634,7 +4139,7 @@
           <a:p>
             <a:fld id="{CB8EFB7F-0100-9142-8334-02F76C33929D}" type="datetimeFigureOut">
               <a:rPr lang="en-US" smtClean="0"/>
-              <a:t>9/19/23</a:t>
+              <a:t>9/20/23</a:t>
             </a:fld>
             <a:endParaRPr lang="en-US"/>
           </a:p>
@@ -4947,7 +4452,7 @@
           <a:p>
             <a:fld id="{CB8EFB7F-0100-9142-8334-02F76C33929D}" type="datetimeFigureOut">
               <a:rPr lang="en-US" smtClean="0"/>
-              <a:t>9/19/23</a:t>
+              <a:t>9/20/23</a:t>
             </a:fld>
             <a:endParaRPr lang="en-US"/>
           </a:p>
@@ -5236,7 +4741,7 @@
           <a:p>
             <a:fld id="{CB8EFB7F-0100-9142-8334-02F76C33929D}" type="datetimeFigureOut">
               <a:rPr lang="en-US" smtClean="0"/>
-              <a:t>9/19/23</a:t>
+              <a:t>9/20/23</a:t>
             </a:fld>
             <a:endParaRPr lang="en-US"/>
           </a:p>
@@ -5479,7 +4984,7 @@
           <a:p>
             <a:fld id="{CB8EFB7F-0100-9142-8334-02F76C33929D}" type="datetimeFigureOut">
               <a:rPr lang="en-US" smtClean="0"/>
-              <a:t>9/19/23</a:t>
+              <a:t>9/20/23</a:t>
             </a:fld>
             <a:endParaRPr lang="en-US"/>
           </a:p>
@@ -6085,1125 +5590,6 @@
 </p:sld>
 </file>
 
-<file path=ppt/slides/slide11.xml><?xml version="1.0" encoding="utf-8"?>
-<p:sld xmlns:a="http://schemas.openxmlformats.org/drawingml/2006/main" xmlns:r="http://schemas.openxmlformats.org/officeDocument/2006/relationships" xmlns:p="http://schemas.openxmlformats.org/presentationml/2006/main">
-  <p:cSld>
-    <p:spTree>
-      <p:nvGrpSpPr>
-        <p:cNvPr id="1" name=""/>
-        <p:cNvGrpSpPr/>
-        <p:nvPr/>
-      </p:nvGrpSpPr>
-      <p:grpSpPr>
-        <a:xfrm>
-          <a:off x="0" y="0"/>
-          <a:ext cx="0" cy="0"/>
-          <a:chOff x="0" y="0"/>
-          <a:chExt cx="0" cy="0"/>
-        </a:xfrm>
-      </p:grpSpPr>
-      <p:sp>
-        <p:nvSpPr>
-          <p:cNvPr id="2" name="Text Placeholder 1"/>
-          <p:cNvSpPr>
-            <a:spLocks noGrp="1"/>
-          </p:cNvSpPr>
-          <p:nvPr>
-            <p:ph type="body" sz="quarter" idx="10"/>
-          </p:nvPr>
-        </p:nvSpPr>
-        <p:spPr/>
-        <p:txBody>
-          <a:bodyPr>
-            <a:normAutofit/>
-          </a:bodyPr>
-          <a:lstStyle/>
-          <a:p>
-            <a:r>
-              <a:rPr lang="en-US" dirty="0"/>
-              <a:t>The scikit-learn pipeline</a:t>
-            </a:r>
-          </a:p>
-          <a:p>
-            <a:endParaRPr lang="en-US" dirty="0"/>
-          </a:p>
-          <a:p>
-            <a:endParaRPr lang="en-US" dirty="0"/>
-          </a:p>
-        </p:txBody>
-      </p:sp>
-      <p:sp>
-        <p:nvSpPr>
-          <p:cNvPr id="3" name="TextBox 2">
-            <a:extLst>
-              <a:ext uri="{FF2B5EF4-FFF2-40B4-BE49-F238E27FC236}">
-                <a16:creationId xmlns:a16="http://schemas.microsoft.com/office/drawing/2014/main" id="{647DFCC2-FF60-925D-7D59-79058319894C}"/>
-              </a:ext>
-            </a:extLst>
-          </p:cNvPr>
-          <p:cNvSpPr txBox="1"/>
-          <p:nvPr/>
-        </p:nvSpPr>
-        <p:spPr>
-          <a:xfrm>
-            <a:off x="503659" y="1224167"/>
-            <a:ext cx="11176000" cy="3170099"/>
-          </a:xfrm>
-          <a:prstGeom prst="rect">
-            <a:avLst/>
-          </a:prstGeom>
-          <a:noFill/>
-        </p:spPr>
-        <p:txBody>
-          <a:bodyPr wrap="square" rtlCol="0">
-            <a:spAutoFit/>
-          </a:bodyPr>
-          <a:lstStyle/>
-          <a:p>
-            <a:pPr marL="342900" indent="-342900">
-              <a:buFont typeface="Arial" panose="020B0604020202020204" pitchFamily="34" charset="0"/>
-              <a:buChar char="•"/>
-            </a:pPr>
-            <a:r>
-              <a:rPr lang="en-GB" sz="2000" dirty="0">
-                <a:effectLst/>
-              </a:rPr>
-              <a:t>The pipeline object in scikit-learn is designed to meet the aforementioned desirable properties of pipelines, so it's a good idea to use it when implementing pipelines in python.</a:t>
-            </a:r>
-          </a:p>
-          <a:p>
-            <a:pPr marL="342900" indent="-342900">
-              <a:buFont typeface="Arial" panose="020B0604020202020204" pitchFamily="34" charset="0"/>
-              <a:buChar char="•"/>
-            </a:pPr>
-            <a:endParaRPr lang="en-GB" sz="2000" dirty="0">
-              <a:effectLst/>
-            </a:endParaRPr>
-          </a:p>
-          <a:p>
-            <a:pPr marL="342900" indent="-342900">
-              <a:buFont typeface="Arial" panose="020B0604020202020204" pitchFamily="34" charset="0"/>
-              <a:buChar char="•"/>
-            </a:pPr>
-            <a:r>
-              <a:rPr lang="en-GB" sz="2000" dirty="0">
-                <a:effectLst/>
-              </a:rPr>
-              <a:t>Even if you don’t use it, it’s useful to study it and use it as a template when implementing your own pipeline from scratch (or in another language). </a:t>
-            </a:r>
-          </a:p>
-          <a:p>
-            <a:pPr marL="342900" indent="-342900">
-              <a:buFont typeface="Arial" panose="020B0604020202020204" pitchFamily="34" charset="0"/>
-              <a:buChar char="•"/>
-            </a:pPr>
-            <a:endParaRPr lang="en-GB" sz="2000" dirty="0">
-              <a:effectLst/>
-            </a:endParaRPr>
-          </a:p>
-          <a:p>
-            <a:pPr marL="342900" indent="-342900">
-              <a:buFont typeface="Arial" panose="020B0604020202020204" pitchFamily="34" charset="0"/>
-              <a:buChar char="•"/>
-            </a:pPr>
-            <a:r>
-              <a:rPr lang="en-GB" sz="2000" dirty="0">
-                <a:effectLst/>
-              </a:rPr>
-              <a:t>A pipeline object in scikit is simply a chain of scikit transformer objects, so let’s define what those are first. </a:t>
-            </a:r>
-          </a:p>
-          <a:p>
-            <a:pPr marL="342900" indent="-342900">
-              <a:buFont typeface="Arial" panose="020B0604020202020204" pitchFamily="34" charset="0"/>
-              <a:buChar char="•"/>
-            </a:pPr>
-            <a:endParaRPr lang="en-GB" sz="2000" dirty="0">
-              <a:effectLst/>
-            </a:endParaRPr>
-          </a:p>
-          <a:p>
-            <a:pPr marL="342900" indent="-342900">
-              <a:buFont typeface="Arial" panose="020B0604020202020204" pitchFamily="34" charset="0"/>
-              <a:buChar char="•"/>
-            </a:pPr>
-            <a:endParaRPr lang="en-GB" sz="2000" dirty="0">
-              <a:effectLst/>
-            </a:endParaRPr>
-          </a:p>
-        </p:txBody>
-      </p:sp>
-    </p:spTree>
-    <p:extLst>
-      <p:ext uri="{BB962C8B-B14F-4D97-AF65-F5344CB8AC3E}">
-        <p14:creationId xmlns:p14="http://schemas.microsoft.com/office/powerpoint/2010/main" val="3852111809"/>
-      </p:ext>
-    </p:extLst>
-  </p:cSld>
-  <p:clrMapOvr>
-    <a:masterClrMapping/>
-  </p:clrMapOvr>
-</p:sld>
-</file>
-
-<file path=ppt/slides/slide12.xml><?xml version="1.0" encoding="utf-8"?>
-<p:sld xmlns:a="http://schemas.openxmlformats.org/drawingml/2006/main" xmlns:r="http://schemas.openxmlformats.org/officeDocument/2006/relationships" xmlns:p="http://schemas.openxmlformats.org/presentationml/2006/main">
-  <p:cSld>
-    <p:spTree>
-      <p:nvGrpSpPr>
-        <p:cNvPr id="1" name=""/>
-        <p:cNvGrpSpPr/>
-        <p:nvPr/>
-      </p:nvGrpSpPr>
-      <p:grpSpPr>
-        <a:xfrm>
-          <a:off x="0" y="0"/>
-          <a:ext cx="0" cy="0"/>
-          <a:chOff x="0" y="0"/>
-          <a:chExt cx="0" cy="0"/>
-        </a:xfrm>
-      </p:grpSpPr>
-      <p:sp>
-        <p:nvSpPr>
-          <p:cNvPr id="2" name="Text Placeholder 1"/>
-          <p:cNvSpPr>
-            <a:spLocks noGrp="1"/>
-          </p:cNvSpPr>
-          <p:nvPr>
-            <p:ph type="body" sz="quarter" idx="10"/>
-          </p:nvPr>
-        </p:nvSpPr>
-        <p:spPr/>
-        <p:txBody>
-          <a:bodyPr>
-            <a:normAutofit/>
-          </a:bodyPr>
-          <a:lstStyle/>
-          <a:p>
-            <a:r>
-              <a:rPr lang="en-US" dirty="0"/>
-              <a:t>Transformations in scikit-learn</a:t>
-            </a:r>
-          </a:p>
-          <a:p>
-            <a:endParaRPr lang="en-US" dirty="0"/>
-          </a:p>
-          <a:p>
-            <a:endParaRPr lang="en-US" dirty="0"/>
-          </a:p>
-        </p:txBody>
-      </p:sp>
-      <p:sp>
-        <p:nvSpPr>
-          <p:cNvPr id="3" name="TextBox 2">
-            <a:extLst>
-              <a:ext uri="{FF2B5EF4-FFF2-40B4-BE49-F238E27FC236}">
-                <a16:creationId xmlns:a16="http://schemas.microsoft.com/office/drawing/2014/main" id="{647DFCC2-FF60-925D-7D59-79058319894C}"/>
-              </a:ext>
-            </a:extLst>
-          </p:cNvPr>
-          <p:cNvSpPr txBox="1"/>
-          <p:nvPr/>
-        </p:nvSpPr>
-        <p:spPr>
-          <a:xfrm>
-            <a:off x="503659" y="1224167"/>
-            <a:ext cx="11176000" cy="4093428"/>
-          </a:xfrm>
-          <a:prstGeom prst="rect">
-            <a:avLst/>
-          </a:prstGeom>
-          <a:noFill/>
-        </p:spPr>
-        <p:txBody>
-          <a:bodyPr wrap="square" rtlCol="0">
-            <a:spAutoFit/>
-          </a:bodyPr>
-          <a:lstStyle/>
-          <a:p>
-            <a:pPr marL="342900" indent="-342900">
-              <a:buFont typeface="Arial" panose="020B0604020202020204" pitchFamily="34" charset="0"/>
-              <a:buChar char="•"/>
-            </a:pPr>
-            <a:r>
-              <a:rPr lang="en-GB" sz="2000" dirty="0">
-                <a:effectLst/>
-              </a:rPr>
-              <a:t>Transformer objects in scikit are simply objects that transform an input </a:t>
-            </a:r>
-            <a:r>
-              <a:rPr lang="en-GB" sz="2000" dirty="0">
-                <a:effectLst/>
-                <a:latin typeface="Consolas" panose="020B0609020204030204" pitchFamily="49" charset="0"/>
-                <a:cs typeface="Consolas" panose="020B0609020204030204" pitchFamily="49" charset="0"/>
-              </a:rPr>
-              <a:t>X</a:t>
-            </a:r>
-            <a:r>
-              <a:rPr lang="en-GB" sz="2000" dirty="0">
-                <a:effectLst/>
-              </a:rPr>
-              <a:t> in some way.</a:t>
-            </a:r>
-          </a:p>
-          <a:p>
-            <a:pPr marL="342900" indent="-342900">
-              <a:buFont typeface="Arial" panose="020B0604020202020204" pitchFamily="34" charset="0"/>
-              <a:buChar char="•"/>
-            </a:pPr>
-            <a:endParaRPr lang="en-GB" sz="2000" dirty="0"/>
-          </a:p>
-          <a:p>
-            <a:pPr marL="342900" indent="-342900">
-              <a:buFont typeface="Arial" panose="020B0604020202020204" pitchFamily="34" charset="0"/>
-              <a:buChar char="•"/>
-            </a:pPr>
-            <a:r>
-              <a:rPr lang="en-GB" sz="2000" dirty="0">
-                <a:effectLst/>
-              </a:rPr>
-              <a:t>They have three main callable methods:</a:t>
-            </a:r>
-          </a:p>
-          <a:p>
-            <a:pPr marL="800100" lvl="1" indent="-342900">
-              <a:buFont typeface="Arial" panose="020B0604020202020204" pitchFamily="34" charset="0"/>
-              <a:buChar char="•"/>
-            </a:pPr>
-            <a:r>
-              <a:rPr lang="en-GB" sz="2000" dirty="0">
-                <a:effectLst/>
-                <a:latin typeface="Consolas" panose="020B0609020204030204" pitchFamily="49" charset="0"/>
-                <a:cs typeface="Consolas" panose="020B0609020204030204" pitchFamily="49" charset="0"/>
-              </a:rPr>
-              <a:t>fit(X, y)</a:t>
-            </a:r>
-          </a:p>
-          <a:p>
-            <a:pPr marL="800100" lvl="1" indent="-342900">
-              <a:buFont typeface="Arial" panose="020B0604020202020204" pitchFamily="34" charset="0"/>
-              <a:buChar char="•"/>
-            </a:pPr>
-            <a:r>
-              <a:rPr lang="en-GB" sz="2000" dirty="0">
-                <a:latin typeface="Consolas" panose="020B0609020204030204" pitchFamily="49" charset="0"/>
-                <a:cs typeface="Consolas" panose="020B0609020204030204" pitchFamily="49" charset="0"/>
-              </a:rPr>
-              <a:t>transform(X)</a:t>
-            </a:r>
-          </a:p>
-          <a:p>
-            <a:pPr marL="800100" lvl="1" indent="-342900">
-              <a:buFont typeface="Arial" panose="020B0604020202020204" pitchFamily="34" charset="0"/>
-              <a:buChar char="•"/>
-            </a:pPr>
-            <a:r>
-              <a:rPr lang="en-GB" sz="2000" dirty="0" err="1">
-                <a:latin typeface="Consolas" panose="020B0609020204030204" pitchFamily="49" charset="0"/>
-                <a:cs typeface="Consolas" panose="020B0609020204030204" pitchFamily="49" charset="0"/>
-              </a:rPr>
-              <a:t>fit_transform</a:t>
-            </a:r>
-            <a:r>
-              <a:rPr lang="en-GB" sz="2000" dirty="0">
-                <a:latin typeface="Consolas" panose="020B0609020204030204" pitchFamily="49" charset="0"/>
-                <a:cs typeface="Consolas" panose="020B0609020204030204" pitchFamily="49" charset="0"/>
-              </a:rPr>
-              <a:t>(X, y)</a:t>
-            </a:r>
-          </a:p>
-          <a:p>
-            <a:pPr marL="800100" lvl="1" indent="-342900">
-              <a:buFont typeface="Arial" panose="020B0604020202020204" pitchFamily="34" charset="0"/>
-              <a:buChar char="•"/>
-            </a:pPr>
-            <a:endParaRPr lang="en-GB" sz="2000" dirty="0">
-              <a:effectLst/>
-            </a:endParaRPr>
-          </a:p>
-          <a:p>
-            <a:pPr marL="342900" indent="-342900">
-              <a:buFont typeface="Arial" panose="020B0604020202020204" pitchFamily="34" charset="0"/>
-              <a:buChar char="•"/>
-            </a:pPr>
-            <a:r>
-              <a:rPr lang="en-GB" sz="2000" dirty="0" err="1">
-                <a:effectLst/>
-              </a:rPr>
-              <a:t>Youfirst</a:t>
-            </a:r>
-            <a:r>
-              <a:rPr lang="en-GB" sz="2000" dirty="0">
-                <a:effectLst/>
-              </a:rPr>
-              <a:t> “calibrate” it with some values according a training dataset using </a:t>
-            </a:r>
-            <a:r>
-              <a:rPr lang="en-GB" sz="2000" dirty="0">
-                <a:effectLst/>
-                <a:latin typeface="Consolas" panose="020B0609020204030204" pitchFamily="49" charset="0"/>
-                <a:cs typeface="Consolas" panose="020B0609020204030204" pitchFamily="49" charset="0"/>
-              </a:rPr>
-              <a:t>fit</a:t>
-            </a:r>
-            <a:r>
-              <a:rPr lang="en-GB" sz="2000" dirty="0">
-                <a:effectLst/>
-              </a:rPr>
-              <a:t>, then use the calibrated version to transform another dataset using </a:t>
-            </a:r>
-            <a:r>
-              <a:rPr lang="en-GB" sz="2000" dirty="0">
-                <a:effectLst/>
-                <a:latin typeface="Consolas" panose="020B0609020204030204" pitchFamily="49" charset="0"/>
-                <a:cs typeface="Consolas" panose="020B0609020204030204" pitchFamily="49" charset="0"/>
-              </a:rPr>
-              <a:t>transform.</a:t>
-            </a:r>
-            <a:r>
-              <a:rPr lang="en-GB" sz="2000" dirty="0">
-                <a:effectLst/>
-                <a:cs typeface="Consolas" panose="020B0609020204030204" pitchFamily="49" charset="0"/>
-              </a:rPr>
-              <a:t> The </a:t>
-            </a:r>
-            <a:r>
-              <a:rPr lang="en-GB" sz="2000" dirty="0" err="1">
-                <a:effectLst/>
-                <a:latin typeface="Consolas" panose="020B0609020204030204" pitchFamily="49" charset="0"/>
-                <a:cs typeface="Consolas" panose="020B0609020204030204" pitchFamily="49" charset="0"/>
-              </a:rPr>
-              <a:t>fit_transform</a:t>
-            </a:r>
-            <a:r>
-              <a:rPr lang="en-GB" sz="2000" dirty="0">
-                <a:effectLst/>
-                <a:latin typeface="Consolas" panose="020B0609020204030204" pitchFamily="49" charset="0"/>
-                <a:cs typeface="Consolas" panose="020B0609020204030204" pitchFamily="49" charset="0"/>
-              </a:rPr>
-              <a:t> </a:t>
-            </a:r>
-            <a:r>
-              <a:rPr lang="en-GB" sz="2000" dirty="0">
-                <a:effectLst/>
-                <a:cs typeface="Consolas" panose="020B0609020204030204" pitchFamily="49" charset="0"/>
-              </a:rPr>
-              <a:t>method, fits and then transforms the data in one call.</a:t>
-            </a:r>
-          </a:p>
-          <a:p>
-            <a:pPr marL="342900" indent="-342900">
-              <a:buFont typeface="Arial" panose="020B0604020202020204" pitchFamily="34" charset="0"/>
-              <a:buChar char="•"/>
-            </a:pPr>
-            <a:endParaRPr lang="en-GB" sz="2000" dirty="0">
-              <a:latin typeface="Consolas" panose="020B0609020204030204" pitchFamily="49" charset="0"/>
-              <a:cs typeface="Consolas" panose="020B0609020204030204" pitchFamily="49" charset="0"/>
-            </a:endParaRPr>
-          </a:p>
-          <a:p>
-            <a:pPr marL="342900" indent="-342900">
-              <a:buFont typeface="Arial" panose="020B0604020202020204" pitchFamily="34" charset="0"/>
-              <a:buChar char="•"/>
-            </a:pPr>
-            <a:r>
-              <a:rPr lang="en-GB" sz="2000" dirty="0">
-                <a:effectLst/>
-                <a:cs typeface="Consolas" panose="020B0609020204030204" pitchFamily="49" charset="0"/>
-              </a:rPr>
-              <a:t>Let’s look at an example of a transformation.</a:t>
-            </a:r>
-            <a:endParaRPr lang="en-GB" sz="2000" dirty="0">
-              <a:effectLst/>
-            </a:endParaRPr>
-          </a:p>
-          <a:p>
-            <a:pPr marL="342900" indent="-342900">
-              <a:buFont typeface="Arial" panose="020B0604020202020204" pitchFamily="34" charset="0"/>
-              <a:buChar char="•"/>
-            </a:pPr>
-            <a:endParaRPr lang="en-GB" sz="2000" dirty="0">
-              <a:effectLst/>
-            </a:endParaRPr>
-          </a:p>
-        </p:txBody>
-      </p:sp>
-    </p:spTree>
-    <p:extLst>
-      <p:ext uri="{BB962C8B-B14F-4D97-AF65-F5344CB8AC3E}">
-        <p14:creationId xmlns:p14="http://schemas.microsoft.com/office/powerpoint/2010/main" val="954913877"/>
-      </p:ext>
-    </p:extLst>
-  </p:cSld>
-  <p:clrMapOvr>
-    <a:masterClrMapping/>
-  </p:clrMapOvr>
-</p:sld>
-</file>
-
-<file path=ppt/slides/slide13.xml><?xml version="1.0" encoding="utf-8"?>
-<p:sld xmlns:a="http://schemas.openxmlformats.org/drawingml/2006/main" xmlns:r="http://schemas.openxmlformats.org/officeDocument/2006/relationships" xmlns:p="http://schemas.openxmlformats.org/presentationml/2006/main">
-  <p:cSld>
-    <p:spTree>
-      <p:nvGrpSpPr>
-        <p:cNvPr id="1" name=""/>
-        <p:cNvGrpSpPr/>
-        <p:nvPr/>
-      </p:nvGrpSpPr>
-      <p:grpSpPr>
-        <a:xfrm>
-          <a:off x="0" y="0"/>
-          <a:ext cx="0" cy="0"/>
-          <a:chOff x="0" y="0"/>
-          <a:chExt cx="0" cy="0"/>
-        </a:xfrm>
-      </p:grpSpPr>
-      <p:sp>
-        <p:nvSpPr>
-          <p:cNvPr id="2" name="Text Placeholder 1"/>
-          <p:cNvSpPr>
-            <a:spLocks noGrp="1"/>
-          </p:cNvSpPr>
-          <p:nvPr>
-            <p:ph type="body" sz="quarter" idx="10"/>
-          </p:nvPr>
-        </p:nvSpPr>
-        <p:spPr/>
-        <p:txBody>
-          <a:bodyPr>
-            <a:normAutofit/>
-          </a:bodyPr>
-          <a:lstStyle/>
-          <a:p>
-            <a:r>
-              <a:rPr lang="en-US" dirty="0"/>
-              <a:t>Transformations in scikit-learn</a:t>
-            </a:r>
-          </a:p>
-          <a:p>
-            <a:endParaRPr lang="en-US" dirty="0"/>
-          </a:p>
-          <a:p>
-            <a:endParaRPr lang="en-US" dirty="0"/>
-          </a:p>
-        </p:txBody>
-      </p:sp>
-      <p:pic>
-        <p:nvPicPr>
-          <p:cNvPr id="5" name="Picture 4" descr="A blue and white squares with black numbers&#10;&#10;Description automatically generated">
-            <a:extLst>
-              <a:ext uri="{FF2B5EF4-FFF2-40B4-BE49-F238E27FC236}">
-                <a16:creationId xmlns:a16="http://schemas.microsoft.com/office/drawing/2014/main" id="{A782FA6A-44E9-344C-49F4-CC845CEAD7F0}"/>
-              </a:ext>
-            </a:extLst>
-          </p:cNvPr>
-          <p:cNvPicPr>
-            <a:picLocks noChangeAspect="1"/>
-          </p:cNvPicPr>
-          <p:nvPr/>
-        </p:nvPicPr>
-        <p:blipFill>
-          <a:blip r:embed="rId3"/>
-          <a:stretch>
-            <a:fillRect/>
-          </a:stretch>
-        </p:blipFill>
-        <p:spPr>
-          <a:xfrm>
-            <a:off x="-671610" y="1173130"/>
-            <a:ext cx="13535220" cy="4511740"/>
-          </a:xfrm>
-          <a:prstGeom prst="rect">
-            <a:avLst/>
-          </a:prstGeom>
-        </p:spPr>
-      </p:pic>
-    </p:spTree>
-    <p:extLst>
-      <p:ext uri="{BB962C8B-B14F-4D97-AF65-F5344CB8AC3E}">
-        <p14:creationId xmlns:p14="http://schemas.microsoft.com/office/powerpoint/2010/main" val="28503630"/>
-      </p:ext>
-    </p:extLst>
-  </p:cSld>
-  <p:clrMapOvr>
-    <a:masterClrMapping/>
-  </p:clrMapOvr>
-</p:sld>
-</file>
-
-<file path=ppt/slides/slide14.xml><?xml version="1.0" encoding="utf-8"?>
-<p:sld xmlns:a="http://schemas.openxmlformats.org/drawingml/2006/main" xmlns:r="http://schemas.openxmlformats.org/officeDocument/2006/relationships" xmlns:p="http://schemas.openxmlformats.org/presentationml/2006/main">
-  <p:cSld>
-    <p:spTree>
-      <p:nvGrpSpPr>
-        <p:cNvPr id="1" name=""/>
-        <p:cNvGrpSpPr/>
-        <p:nvPr/>
-      </p:nvGrpSpPr>
-      <p:grpSpPr>
-        <a:xfrm>
-          <a:off x="0" y="0"/>
-          <a:ext cx="0" cy="0"/>
-          <a:chOff x="0" y="0"/>
-          <a:chExt cx="0" cy="0"/>
-        </a:xfrm>
-      </p:grpSpPr>
-      <p:sp>
-        <p:nvSpPr>
-          <p:cNvPr id="2" name="Text Placeholder 1"/>
-          <p:cNvSpPr>
-            <a:spLocks noGrp="1"/>
-          </p:cNvSpPr>
-          <p:nvPr>
-            <p:ph type="body" sz="quarter" idx="10"/>
-          </p:nvPr>
-        </p:nvSpPr>
-        <p:spPr/>
-        <p:txBody>
-          <a:bodyPr>
-            <a:normAutofit/>
-          </a:bodyPr>
-          <a:lstStyle/>
-          <a:p>
-            <a:r>
-              <a:rPr lang="en-US" dirty="0"/>
-              <a:t>Transformations in scikit-learn</a:t>
-            </a:r>
-          </a:p>
-          <a:p>
-            <a:endParaRPr lang="en-US" dirty="0"/>
-          </a:p>
-          <a:p>
-            <a:endParaRPr lang="en-US" dirty="0"/>
-          </a:p>
-        </p:txBody>
-      </p:sp>
-      <p:sp>
-        <p:nvSpPr>
-          <p:cNvPr id="3" name="TextBox 2">
-            <a:extLst>
-              <a:ext uri="{FF2B5EF4-FFF2-40B4-BE49-F238E27FC236}">
-                <a16:creationId xmlns:a16="http://schemas.microsoft.com/office/drawing/2014/main" id="{647DFCC2-FF60-925D-7D59-79058319894C}"/>
-              </a:ext>
-            </a:extLst>
-          </p:cNvPr>
-          <p:cNvSpPr txBox="1"/>
-          <p:nvPr/>
-        </p:nvSpPr>
-        <p:spPr>
-          <a:xfrm>
-            <a:off x="503659" y="1224167"/>
-            <a:ext cx="11176000" cy="4401205"/>
-          </a:xfrm>
-          <a:prstGeom prst="rect">
-            <a:avLst/>
-          </a:prstGeom>
-          <a:noFill/>
-        </p:spPr>
-        <p:txBody>
-          <a:bodyPr wrap="square" rtlCol="0">
-            <a:spAutoFit/>
-          </a:bodyPr>
-          <a:lstStyle/>
-          <a:p>
-            <a:pPr marL="342900" indent="-342900">
-              <a:buFont typeface="Arial" panose="020B0604020202020204" pitchFamily="34" charset="0"/>
-              <a:buChar char="•"/>
-            </a:pPr>
-            <a:r>
-              <a:rPr lang="en-GB" sz="2000" dirty="0">
-                <a:effectLst/>
-              </a:rPr>
-              <a:t>This is just one type of transformation, but scikit-learn comes bundled with a bunch of different transformations</a:t>
-            </a:r>
-          </a:p>
-          <a:p>
-            <a:pPr marL="342900" indent="-342900">
-              <a:buFont typeface="Arial" panose="020B0604020202020204" pitchFamily="34" charset="0"/>
-              <a:buChar char="•"/>
-            </a:pPr>
-            <a:endParaRPr lang="en-GB" sz="2000" dirty="0"/>
-          </a:p>
-          <a:p>
-            <a:pPr marL="342900" indent="-342900">
-              <a:buFont typeface="Arial" panose="020B0604020202020204" pitchFamily="34" charset="0"/>
-              <a:buChar char="•"/>
-            </a:pPr>
-            <a:r>
-              <a:rPr lang="en-GB" sz="2000" dirty="0">
-                <a:effectLst/>
-              </a:rPr>
-              <a:t>The cool thing is that you can also create custom transformations using scikit-</a:t>
-            </a:r>
-            <a:r>
-              <a:rPr lang="en-GB" sz="2000" dirty="0" err="1">
-                <a:effectLst/>
-              </a:rPr>
-              <a:t>learn’s</a:t>
-            </a:r>
-            <a:r>
-              <a:rPr lang="en-GB" sz="2000" dirty="0">
-                <a:effectLst/>
-              </a:rPr>
-              <a:t> </a:t>
-            </a:r>
-            <a:r>
-              <a:rPr lang="en-GB" sz="2000" dirty="0" err="1">
-                <a:effectLst/>
-              </a:rPr>
-              <a:t>BaseEstimator</a:t>
-            </a:r>
-            <a:r>
-              <a:rPr lang="en-GB" sz="2000" dirty="0">
-                <a:effectLst/>
-              </a:rPr>
-              <a:t> (which we will see later in one of the labs).</a:t>
-            </a:r>
-          </a:p>
-          <a:p>
-            <a:pPr marL="342900" indent="-342900">
-              <a:buFont typeface="Arial" panose="020B0604020202020204" pitchFamily="34" charset="0"/>
-              <a:buChar char="•"/>
-            </a:pPr>
-            <a:endParaRPr lang="en-GB" sz="2000" dirty="0"/>
-          </a:p>
-          <a:p>
-            <a:pPr marL="342900" indent="-342900">
-              <a:buFont typeface="Arial" panose="020B0604020202020204" pitchFamily="34" charset="0"/>
-              <a:buChar char="•"/>
-            </a:pPr>
-            <a:r>
-              <a:rPr lang="en-GB" sz="2000" dirty="0">
-                <a:effectLst/>
-              </a:rPr>
-              <a:t>You can define your own fit() and transform() methods.</a:t>
-            </a:r>
-          </a:p>
-          <a:p>
-            <a:pPr marL="342900" indent="-342900">
-              <a:buFont typeface="Arial" panose="020B0604020202020204" pitchFamily="34" charset="0"/>
-              <a:buChar char="•"/>
-            </a:pPr>
-            <a:endParaRPr lang="en-GB" sz="2000" dirty="0"/>
-          </a:p>
-          <a:p>
-            <a:pPr marL="342900" indent="-342900">
-              <a:buFont typeface="Arial" panose="020B0604020202020204" pitchFamily="34" charset="0"/>
-              <a:buChar char="•"/>
-            </a:pPr>
-            <a:r>
-              <a:rPr lang="en-GB" sz="2000" dirty="0">
-                <a:effectLst/>
-              </a:rPr>
-              <a:t>This means that other people can use only the transformer that you implemented, even if they don’t care about the rest of your pipeline.</a:t>
-            </a:r>
-          </a:p>
-          <a:p>
-            <a:pPr marL="342900" indent="-342900">
-              <a:buFont typeface="Arial" panose="020B0604020202020204" pitchFamily="34" charset="0"/>
-              <a:buChar char="•"/>
-            </a:pPr>
-            <a:endParaRPr lang="en-GB" sz="2000" dirty="0"/>
-          </a:p>
-          <a:p>
-            <a:pPr marL="342900" indent="-342900">
-              <a:buFont typeface="Arial" panose="020B0604020202020204" pitchFamily="34" charset="0"/>
-              <a:buChar char="•"/>
-            </a:pPr>
-            <a:r>
-              <a:rPr lang="en-GB" sz="2000" dirty="0">
-                <a:effectLst/>
-              </a:rPr>
-              <a:t>There is a well-established scikit-learn ecosystem of custom transformers out there, so it is possible that if you don’t know how to implement it yourself, somebody has already done it!</a:t>
-            </a:r>
-          </a:p>
-          <a:p>
-            <a:pPr marL="342900" indent="-342900">
-              <a:buFont typeface="Arial" panose="020B0604020202020204" pitchFamily="34" charset="0"/>
-              <a:buChar char="•"/>
-            </a:pPr>
-            <a:endParaRPr lang="en-GB" sz="2000" dirty="0">
-              <a:effectLst/>
-            </a:endParaRPr>
-          </a:p>
-        </p:txBody>
-      </p:sp>
-    </p:spTree>
-    <p:extLst>
-      <p:ext uri="{BB962C8B-B14F-4D97-AF65-F5344CB8AC3E}">
-        <p14:creationId xmlns:p14="http://schemas.microsoft.com/office/powerpoint/2010/main" val="3118396586"/>
-      </p:ext>
-    </p:extLst>
-  </p:cSld>
-  <p:clrMapOvr>
-    <a:masterClrMapping/>
-  </p:clrMapOvr>
-</p:sld>
-</file>
-
-<file path=ppt/slides/slide15.xml><?xml version="1.0" encoding="utf-8"?>
-<p:sld xmlns:a="http://schemas.openxmlformats.org/drawingml/2006/main" xmlns:r="http://schemas.openxmlformats.org/officeDocument/2006/relationships" xmlns:p="http://schemas.openxmlformats.org/presentationml/2006/main">
-  <p:cSld>
-    <p:spTree>
-      <p:nvGrpSpPr>
-        <p:cNvPr id="1" name=""/>
-        <p:cNvGrpSpPr/>
-        <p:nvPr/>
-      </p:nvGrpSpPr>
-      <p:grpSpPr>
-        <a:xfrm>
-          <a:off x="0" y="0"/>
-          <a:ext cx="0" cy="0"/>
-          <a:chOff x="0" y="0"/>
-          <a:chExt cx="0" cy="0"/>
-        </a:xfrm>
-      </p:grpSpPr>
-      <p:sp>
-        <p:nvSpPr>
-          <p:cNvPr id="2" name="Text Placeholder 1"/>
-          <p:cNvSpPr>
-            <a:spLocks noGrp="1"/>
-          </p:cNvSpPr>
-          <p:nvPr>
-            <p:ph type="body" sz="quarter" idx="10"/>
-          </p:nvPr>
-        </p:nvSpPr>
-        <p:spPr/>
-        <p:txBody>
-          <a:bodyPr>
-            <a:normAutofit/>
-          </a:bodyPr>
-          <a:lstStyle/>
-          <a:p>
-            <a:r>
-              <a:rPr lang="en-US" dirty="0"/>
-              <a:t>Transformations in </a:t>
-            </a:r>
-            <a:r>
-              <a:rPr lang="en-US" dirty="0" err="1"/>
-              <a:t>PyTorch</a:t>
-            </a:r>
-            <a:endParaRPr lang="en-US" dirty="0"/>
-          </a:p>
-          <a:p>
-            <a:endParaRPr lang="en-US" dirty="0"/>
-          </a:p>
-          <a:p>
-            <a:endParaRPr lang="en-US" dirty="0"/>
-          </a:p>
-        </p:txBody>
-      </p:sp>
-      <p:sp>
-        <p:nvSpPr>
-          <p:cNvPr id="3" name="TextBox 2">
-            <a:extLst>
-              <a:ext uri="{FF2B5EF4-FFF2-40B4-BE49-F238E27FC236}">
-                <a16:creationId xmlns:a16="http://schemas.microsoft.com/office/drawing/2014/main" id="{647DFCC2-FF60-925D-7D59-79058319894C}"/>
-              </a:ext>
-            </a:extLst>
-          </p:cNvPr>
-          <p:cNvSpPr txBox="1"/>
-          <p:nvPr/>
-        </p:nvSpPr>
-        <p:spPr>
-          <a:xfrm>
-            <a:off x="503659" y="1224167"/>
-            <a:ext cx="11176000" cy="4401205"/>
-          </a:xfrm>
-          <a:prstGeom prst="rect">
-            <a:avLst/>
-          </a:prstGeom>
-          <a:noFill/>
-        </p:spPr>
-        <p:txBody>
-          <a:bodyPr wrap="square" rtlCol="0">
-            <a:spAutoFit/>
-          </a:bodyPr>
-          <a:lstStyle/>
-          <a:p>
-            <a:pPr marL="342900" indent="-342900">
-              <a:buFont typeface="Arial" panose="020B0604020202020204" pitchFamily="34" charset="0"/>
-              <a:buChar char="•"/>
-            </a:pPr>
-            <a:r>
-              <a:rPr lang="en-GB" sz="2000" dirty="0">
-                <a:effectLst/>
-              </a:rPr>
-              <a:t>Transforming your data in </a:t>
-            </a:r>
-            <a:r>
-              <a:rPr lang="en-GB" sz="2000" dirty="0" err="1">
-                <a:effectLst/>
-              </a:rPr>
-              <a:t>PyTorch</a:t>
-            </a:r>
-            <a:r>
-              <a:rPr lang="en-GB" sz="2000" dirty="0">
-                <a:effectLst/>
-              </a:rPr>
-              <a:t> is done using the the </a:t>
-            </a:r>
-            <a:r>
-              <a:rPr lang="en-GB" sz="2000" dirty="0">
-                <a:effectLst/>
-                <a:latin typeface="Consolas" panose="020B0609020204030204" pitchFamily="49" charset="0"/>
-                <a:cs typeface="Consolas" panose="020B0609020204030204" pitchFamily="49" charset="0"/>
-              </a:rPr>
-              <a:t>transforms</a:t>
-            </a:r>
-            <a:r>
-              <a:rPr lang="en-GB" sz="2000" dirty="0">
-                <a:effectLst/>
-              </a:rPr>
-              <a:t> module from </a:t>
-            </a:r>
-            <a:r>
-              <a:rPr lang="en-GB" sz="2000" dirty="0" err="1">
-                <a:effectLst/>
-                <a:latin typeface="Consolas" panose="020B0609020204030204" pitchFamily="49" charset="0"/>
-                <a:cs typeface="Consolas" panose="020B0609020204030204" pitchFamily="49" charset="0"/>
-              </a:rPr>
-              <a:t>torchvision</a:t>
-            </a:r>
-            <a:r>
-              <a:rPr lang="en-GB" sz="2000" dirty="0">
-                <a:latin typeface="Consolas" panose="020B0609020204030204" pitchFamily="49" charset="0"/>
-                <a:cs typeface="Consolas" panose="020B0609020204030204" pitchFamily="49" charset="0"/>
-              </a:rPr>
-              <a:t> </a:t>
-            </a:r>
-            <a:r>
-              <a:rPr lang="en-GB" sz="2000" dirty="0">
-                <a:cs typeface="Consolas" panose="020B0609020204030204" pitchFamily="49" charset="0"/>
-              </a:rPr>
-              <a:t>a</a:t>
-            </a:r>
-            <a:r>
-              <a:rPr lang="en-GB" sz="2000" dirty="0">
-                <a:effectLst/>
-              </a:rPr>
-              <a:t>nd </a:t>
-            </a:r>
-            <a:r>
-              <a:rPr lang="en-GB" sz="2000" dirty="0" err="1">
-                <a:effectLst/>
-                <a:latin typeface="Consolas" panose="020B0609020204030204" pitchFamily="49" charset="0"/>
-                <a:cs typeface="Consolas" panose="020B0609020204030204" pitchFamily="49" charset="0"/>
-              </a:rPr>
-              <a:t>torchaudio</a:t>
-            </a:r>
-            <a:r>
-              <a:rPr lang="en-GB" sz="2000" dirty="0">
-                <a:effectLst/>
-              </a:rPr>
-              <a:t>.</a:t>
-            </a:r>
-          </a:p>
-          <a:p>
-            <a:pPr marL="342900" indent="-342900">
-              <a:buFont typeface="Arial" panose="020B0604020202020204" pitchFamily="34" charset="0"/>
-              <a:buChar char="•"/>
-            </a:pPr>
-            <a:endParaRPr lang="en-GB" sz="2000" dirty="0"/>
-          </a:p>
-          <a:p>
-            <a:pPr marL="342900" indent="-342900">
-              <a:buFont typeface="Arial" panose="020B0604020202020204" pitchFamily="34" charset="0"/>
-              <a:buChar char="•"/>
-            </a:pPr>
-            <a:r>
-              <a:rPr lang="en-GB" sz="2000" dirty="0">
-                <a:effectLst/>
-              </a:rPr>
-              <a:t>Just like </a:t>
-            </a:r>
-            <a:r>
-              <a:rPr lang="en-GB" sz="2000" dirty="0" err="1">
-                <a:effectLst/>
-              </a:rPr>
-              <a:t>sklearn</a:t>
-            </a:r>
-            <a:r>
-              <a:rPr lang="en-GB" sz="2000" dirty="0">
-                <a:effectLst/>
-              </a:rPr>
-              <a:t>, they offer some </a:t>
-            </a:r>
-            <a:r>
-              <a:rPr lang="en-GB" sz="2000" dirty="0" err="1">
-                <a:effectLst/>
-              </a:rPr>
-              <a:t>prepackaged</a:t>
-            </a:r>
-            <a:r>
-              <a:rPr lang="en-GB" sz="2000" dirty="0">
-                <a:effectLst/>
-              </a:rPr>
-              <a:t> transformations:</a:t>
-            </a:r>
-          </a:p>
-          <a:p>
-            <a:pPr marL="800100" lvl="1" indent="-342900">
-              <a:buFont typeface="Arial" panose="020B0604020202020204" pitchFamily="34" charset="0"/>
-              <a:buChar char="•"/>
-            </a:pPr>
-            <a:r>
-              <a:rPr lang="en-GB" sz="2000" dirty="0" err="1">
-                <a:latin typeface="Consolas" panose="020B0609020204030204" pitchFamily="49" charset="0"/>
-                <a:cs typeface="Consolas" panose="020B0609020204030204" pitchFamily="49" charset="0"/>
-              </a:rPr>
-              <a:t>GaussianBlur</a:t>
-            </a:r>
-            <a:endParaRPr lang="en-GB" sz="2000" dirty="0">
-              <a:latin typeface="Consolas" panose="020B0609020204030204" pitchFamily="49" charset="0"/>
-              <a:cs typeface="Consolas" panose="020B0609020204030204" pitchFamily="49" charset="0"/>
-            </a:endParaRPr>
-          </a:p>
-          <a:p>
-            <a:pPr marL="800100" lvl="1" indent="-342900">
-              <a:buFont typeface="Arial" panose="020B0604020202020204" pitchFamily="34" charset="0"/>
-              <a:buChar char="•"/>
-            </a:pPr>
-            <a:r>
-              <a:rPr lang="en-GB" sz="2000" dirty="0">
-                <a:latin typeface="Consolas" panose="020B0609020204030204" pitchFamily="49" charset="0"/>
-                <a:cs typeface="Consolas" panose="020B0609020204030204" pitchFamily="49" charset="0"/>
-              </a:rPr>
-              <a:t>Normalize</a:t>
-            </a:r>
-          </a:p>
-          <a:p>
-            <a:pPr marL="800100" lvl="1" indent="-342900">
-              <a:buFont typeface="Arial" panose="020B0604020202020204" pitchFamily="34" charset="0"/>
-              <a:buChar char="•"/>
-            </a:pPr>
-            <a:r>
-              <a:rPr lang="en-GB" sz="2000" dirty="0" err="1">
-                <a:latin typeface="Consolas" panose="020B0609020204030204" pitchFamily="49" charset="0"/>
-                <a:cs typeface="Consolas" panose="020B0609020204030204" pitchFamily="49" charset="0"/>
-              </a:rPr>
-              <a:t>RandomVerticalFlip</a:t>
-            </a:r>
-            <a:endParaRPr lang="en-GB" sz="2000" dirty="0">
-              <a:latin typeface="Consolas" panose="020B0609020204030204" pitchFamily="49" charset="0"/>
-              <a:cs typeface="Consolas" panose="020B0609020204030204" pitchFamily="49" charset="0"/>
-            </a:endParaRPr>
-          </a:p>
-          <a:p>
-            <a:pPr marL="800100" lvl="1" indent="-342900">
-              <a:buFont typeface="Arial" panose="020B0604020202020204" pitchFamily="34" charset="0"/>
-              <a:buChar char="•"/>
-            </a:pPr>
-            <a:r>
-              <a:rPr lang="en-GB" sz="2000" dirty="0" err="1">
-                <a:latin typeface="Consolas" panose="020B0609020204030204" pitchFamily="49" charset="0"/>
-                <a:cs typeface="Consolas" panose="020B0609020204030204" pitchFamily="49" charset="0"/>
-              </a:rPr>
-              <a:t>MelSpectrogram</a:t>
-            </a:r>
-            <a:endParaRPr lang="en-GB" sz="2000" dirty="0">
-              <a:latin typeface="Consolas" panose="020B0609020204030204" pitchFamily="49" charset="0"/>
-              <a:cs typeface="Consolas" panose="020B0609020204030204" pitchFamily="49" charset="0"/>
-            </a:endParaRPr>
-          </a:p>
-          <a:p>
-            <a:pPr lvl="1"/>
-            <a:endParaRPr lang="en-GB" sz="2000" dirty="0"/>
-          </a:p>
-          <a:p>
-            <a:pPr marL="342900" indent="-342900">
-              <a:buFont typeface="Arial" panose="020B0604020202020204" pitchFamily="34" charset="0"/>
-              <a:buChar char="•"/>
-            </a:pPr>
-            <a:r>
-              <a:rPr lang="en-GB" sz="2000" dirty="0">
-                <a:effectLst/>
-              </a:rPr>
-              <a:t>Just like in </a:t>
-            </a:r>
-            <a:r>
-              <a:rPr lang="en-GB" sz="2000" dirty="0" err="1">
-                <a:effectLst/>
-              </a:rPr>
-              <a:t>sklearn</a:t>
-            </a:r>
-            <a:r>
-              <a:rPr lang="en-GB" sz="2000" dirty="0">
-                <a:effectLst/>
-              </a:rPr>
-              <a:t>, you can also create your own custom </a:t>
-            </a:r>
-            <a:r>
-              <a:rPr lang="en-GB" sz="2000" dirty="0" err="1">
-                <a:effectLst/>
-              </a:rPr>
-              <a:t>PyTorch</a:t>
-            </a:r>
-            <a:r>
-              <a:rPr lang="en-GB" sz="2000" dirty="0">
-                <a:effectLst/>
-              </a:rPr>
-              <a:t> transformations.</a:t>
-            </a:r>
-          </a:p>
-          <a:p>
-            <a:pPr marL="342900" indent="-342900">
-              <a:buFont typeface="Arial" panose="020B0604020202020204" pitchFamily="34" charset="0"/>
-              <a:buChar char="•"/>
-            </a:pPr>
-            <a:endParaRPr lang="en-GB" sz="2000" dirty="0">
-              <a:effectLst/>
-            </a:endParaRPr>
-          </a:p>
-          <a:p>
-            <a:pPr marL="342900" indent="-342900">
-              <a:buFont typeface="Arial" panose="020B0604020202020204" pitchFamily="34" charset="0"/>
-              <a:buChar char="•"/>
-            </a:pPr>
-            <a:r>
-              <a:rPr lang="en-GB" sz="2000" dirty="0"/>
-              <a:t>In both Scikit-learn and </a:t>
-            </a:r>
-            <a:r>
-              <a:rPr lang="en-GB" sz="2000" dirty="0" err="1"/>
-              <a:t>PyTorch</a:t>
-            </a:r>
-            <a:r>
-              <a:rPr lang="en-GB" sz="2000" dirty="0"/>
-              <a:t>, it is straightforward to string multiple transformations one after the other. We will see how to do this in the lab using two examples: the digits we saw, and </a:t>
-            </a:r>
-            <a:r>
-              <a:rPr lang="en-GB" sz="2000"/>
-              <a:t>some text data.</a:t>
-            </a:r>
-            <a:endParaRPr lang="en-GB" sz="2000" dirty="0">
-              <a:effectLst/>
-            </a:endParaRPr>
-          </a:p>
-          <a:p>
-            <a:pPr marL="342900" indent="-342900">
-              <a:buFont typeface="Arial" panose="020B0604020202020204" pitchFamily="34" charset="0"/>
-              <a:buChar char="•"/>
-            </a:pPr>
-            <a:endParaRPr lang="en-GB" sz="2000" dirty="0">
-              <a:effectLst/>
-            </a:endParaRPr>
-          </a:p>
-        </p:txBody>
-      </p:sp>
-    </p:spTree>
-    <p:extLst>
-      <p:ext uri="{BB962C8B-B14F-4D97-AF65-F5344CB8AC3E}">
-        <p14:creationId xmlns:p14="http://schemas.microsoft.com/office/powerpoint/2010/main" val="4273009214"/>
-      </p:ext>
-    </p:extLst>
-  </p:cSld>
-  <p:clrMapOvr>
-    <a:masterClrMapping/>
-  </p:clrMapOvr>
-</p:sld>
-</file>
-
 <file path=ppt/slides/slide2.xml><?xml version="1.0" encoding="utf-8"?>
 <p:sld xmlns:a="http://schemas.openxmlformats.org/drawingml/2006/main" xmlns:r="http://schemas.openxmlformats.org/officeDocument/2006/relationships" xmlns:p="http://schemas.openxmlformats.org/presentationml/2006/main">
   <p:cSld>
@@ -7435,7 +5821,7 @@
             </a:pPr>
             <a:r>
               <a:rPr lang="en-US" sz="2000" dirty="0"/>
-              <a:t>Designing data pipelines for scientific research, can be challenging.</a:t>
+              <a:t>Designing data pipelines for scientific research can be challenging.</a:t>
             </a:r>
           </a:p>
           <a:p>
@@ -7549,7 +5935,7 @@
         <p:spPr>
           <a:xfrm>
             <a:off x="781235" y="1518081"/>
-            <a:ext cx="8922058" cy="1631216"/>
+            <a:ext cx="8922058" cy="1323439"/>
           </a:xfrm>
           <a:prstGeom prst="rect">
             <a:avLst/>
@@ -7568,7 +5954,7 @@
             </a:pPr>
             <a:r>
               <a:rPr lang="en-US" sz="2000" dirty="0"/>
-              <a:t>The course is split into three lectures and three corresponding labs:</a:t>
+              <a:t>The course is split into lectures and corresponding labs:</a:t>
             </a:r>
           </a:p>
           <a:p>
@@ -7578,7 +5964,7 @@
             </a:pPr>
             <a:r>
               <a:rPr lang="en-US" sz="2000" dirty="0"/>
-              <a:t>Exploratory analysis and data transformations</a:t>
+              <a:t>Reproducibility and environments</a:t>
             </a:r>
           </a:p>
           <a:p>
@@ -7588,7 +5974,7 @@
             </a:pPr>
             <a:r>
               <a:rPr lang="en-US" sz="2000" dirty="0"/>
-              <a:t>Scripting</a:t>
+              <a:t>Testing and profiling</a:t>
             </a:r>
           </a:p>
           <a:p>
@@ -7598,17 +5984,7 @@
             </a:pPr>
             <a:r>
               <a:rPr lang="en-US" sz="2000" dirty="0"/>
-              <a:t>Testing</a:t>
-            </a:r>
-          </a:p>
-          <a:p>
-            <a:pPr marL="457200" indent="-457200">
-              <a:buFont typeface="+mj-lt"/>
-              <a:buAutoNum type="arabicPeriod"/>
-            </a:pPr>
-            <a:r>
-              <a:rPr lang="en-US" sz="2000" dirty="0"/>
-              <a:t>Ad stuff about differences</a:t>
+              <a:t>Something else</a:t>
             </a:r>
           </a:p>
         </p:txBody>
